--- a/complex_choice/decision_task_instruction.pptx
+++ b/complex_choice/decision_task_instruction.pptx
@@ -270,7 +270,7 @@
           <a:p>
             <a:fld id="{BD82A94B-8595-419C-BF57-D51AB33609D1}" type="datetimeFigureOut">
               <a:rPr lang="en-US" smtClean="0"/>
-              <a:t>2/22/2024</a:t>
+              <a:t>3/4/2024</a:t>
             </a:fld>
             <a:endParaRPr lang="en-US" dirty="0"/>
           </a:p>
@@ -447,7 +447,7 @@
           <a:p>
             <a:fld id="{652BB16F-2169-4A0F-818F-214041E36035}" type="datetimeFigureOut">
               <a:rPr lang="en-GB" smtClean="0"/>
-              <a:t>22/02/2024</a:t>
+              <a:t>04/03/2024</a:t>
             </a:fld>
             <a:endParaRPr lang="en-GB" dirty="0"/>
           </a:p>
@@ -2546,7 +2546,7 @@
           <a:p>
             <a:fld id="{724A9933-0BD2-45EA-8819-99110733ED14}" type="datetimeFigureOut">
               <a:rPr lang="en-GB" smtClean="0"/>
-              <a:t>22/02/2024</a:t>
+              <a:t>04/03/2024</a:t>
             </a:fld>
             <a:endParaRPr lang="en-GB" dirty="0"/>
           </a:p>
@@ -2716,7 +2716,7 @@
           <a:p>
             <a:fld id="{724A9933-0BD2-45EA-8819-99110733ED14}" type="datetimeFigureOut">
               <a:rPr lang="en-GB" smtClean="0"/>
-              <a:t>22/02/2024</a:t>
+              <a:t>04/03/2024</a:t>
             </a:fld>
             <a:endParaRPr lang="en-GB" dirty="0"/>
           </a:p>
@@ -2896,7 +2896,7 @@
           <a:p>
             <a:fld id="{724A9933-0BD2-45EA-8819-99110733ED14}" type="datetimeFigureOut">
               <a:rPr lang="en-GB" smtClean="0"/>
-              <a:t>22/02/2024</a:t>
+              <a:t>04/03/2024</a:t>
             </a:fld>
             <a:endParaRPr lang="en-GB" dirty="0"/>
           </a:p>
@@ -3110,7 +3110,7 @@
           <a:p>
             <a:fld id="{724A9933-0BD2-45EA-8819-99110733ED14}" type="datetimeFigureOut">
               <a:rPr lang="en-GB" smtClean="0"/>
-              <a:t>22/02/2024</a:t>
+              <a:t>04/03/2024</a:t>
             </a:fld>
             <a:endParaRPr lang="en-GB" dirty="0"/>
           </a:p>
@@ -3356,7 +3356,7 @@
           <a:p>
             <a:fld id="{724A9933-0BD2-45EA-8819-99110733ED14}" type="datetimeFigureOut">
               <a:rPr lang="en-GB" smtClean="0"/>
-              <a:t>22/02/2024</a:t>
+              <a:t>04/03/2024</a:t>
             </a:fld>
             <a:endParaRPr lang="en-GB" dirty="0"/>
           </a:p>
@@ -3588,7 +3588,7 @@
           <a:p>
             <a:fld id="{724A9933-0BD2-45EA-8819-99110733ED14}" type="datetimeFigureOut">
               <a:rPr lang="en-GB" smtClean="0"/>
-              <a:t>22/02/2024</a:t>
+              <a:t>04/03/2024</a:t>
             </a:fld>
             <a:endParaRPr lang="en-GB" dirty="0"/>
           </a:p>
@@ -3955,7 +3955,7 @@
           <a:p>
             <a:fld id="{724A9933-0BD2-45EA-8819-99110733ED14}" type="datetimeFigureOut">
               <a:rPr lang="en-GB" smtClean="0"/>
-              <a:t>22/02/2024</a:t>
+              <a:t>04/03/2024</a:t>
             </a:fld>
             <a:endParaRPr lang="en-GB" dirty="0"/>
           </a:p>
@@ -4073,7 +4073,7 @@
           <a:p>
             <a:fld id="{724A9933-0BD2-45EA-8819-99110733ED14}" type="datetimeFigureOut">
               <a:rPr lang="en-GB" smtClean="0"/>
-              <a:t>22/02/2024</a:t>
+              <a:t>04/03/2024</a:t>
             </a:fld>
             <a:endParaRPr lang="en-GB" dirty="0"/>
           </a:p>
@@ -4168,7 +4168,7 @@
           <a:p>
             <a:fld id="{724A9933-0BD2-45EA-8819-99110733ED14}" type="datetimeFigureOut">
               <a:rPr lang="en-GB" smtClean="0"/>
-              <a:t>22/02/2024</a:t>
+              <a:t>04/03/2024</a:t>
             </a:fld>
             <a:endParaRPr lang="en-GB" dirty="0"/>
           </a:p>
@@ -4445,7 +4445,7 @@
           <a:p>
             <a:fld id="{724A9933-0BD2-45EA-8819-99110733ED14}" type="datetimeFigureOut">
               <a:rPr lang="en-GB" smtClean="0"/>
-              <a:t>22/02/2024</a:t>
+              <a:t>04/03/2024</a:t>
             </a:fld>
             <a:endParaRPr lang="en-GB" dirty="0"/>
           </a:p>
@@ -4698,7 +4698,7 @@
           <a:p>
             <a:fld id="{724A9933-0BD2-45EA-8819-99110733ED14}" type="datetimeFigureOut">
               <a:rPr lang="en-GB" smtClean="0"/>
-              <a:t>22/02/2024</a:t>
+              <a:t>04/03/2024</a:t>
             </a:fld>
             <a:endParaRPr lang="en-GB" dirty="0"/>
           </a:p>
@@ -4914,7 +4914,7 @@
           <a:p>
             <a:fld id="{724A9933-0BD2-45EA-8819-99110733ED14}" type="datetimeFigureOut">
               <a:rPr lang="en-GB" smtClean="0"/>
-              <a:t>22/02/2024</a:t>
+              <a:t>04/03/2024</a:t>
             </a:fld>
             <a:endParaRPr lang="en-GB" dirty="0"/>
           </a:p>
